--- a/Advanced_Mobile_Cellular_Network - JA/MIT_Lecture_03,04.pptx
+++ b/Advanced_Mobile_Cellular_Network - JA/MIT_Lecture_03,04.pptx
@@ -208,7 +208,7 @@
         </p:nvSpPr>
         <p:spPr bwMode="auto">
           <a:xfrm>
-            <a:off x="0" y="0"/>
+            <a:off x="0" y="1"/>
             <a:ext cx="2971800" cy="457200"/>
           </a:xfrm>
           <a:prstGeom prst="rect">
@@ -256,7 +256,7 @@
         </p:nvSpPr>
         <p:spPr bwMode="auto">
           <a:xfrm>
-            <a:off x="3884613" y="0"/>
+            <a:off x="3884614" y="1"/>
             <a:ext cx="2971800" cy="457200"/>
           </a:xfrm>
           <a:prstGeom prst="rect">
@@ -293,7 +293,7 @@
               <a:pPr>
                 <a:defRPr/>
               </a:pPr>
-              <a:t>6/29/2019</a:t>
+              <a:t>7/27/2019</a:t>
             </a:fld>
             <a:endParaRPr lang="en-US"/>
           </a:p>
@@ -311,7 +311,7 @@
         </p:nvSpPr>
         <p:spPr bwMode="auto">
           <a:xfrm>
-            <a:off x="0" y="8685213"/>
+            <a:off x="0" y="8685214"/>
             <a:ext cx="2971800" cy="457200"/>
           </a:xfrm>
           <a:prstGeom prst="rect">
@@ -359,7 +359,7 @@
         </p:nvSpPr>
         <p:spPr bwMode="auto">
           <a:xfrm>
-            <a:off x="3884613" y="8685213"/>
+            <a:off x="3884614" y="8685214"/>
             <a:ext cx="2971800" cy="457200"/>
           </a:xfrm>
           <a:prstGeom prst="rect">
@@ -450,7 +450,7 @@
         </p:nvSpPr>
         <p:spPr bwMode="auto">
           <a:xfrm>
-            <a:off x="0" y="0"/>
+            <a:off x="0" y="1"/>
             <a:ext cx="2971800" cy="457200"/>
           </a:xfrm>
           <a:prstGeom prst="rect">
@@ -498,7 +498,7 @@
         </p:nvSpPr>
         <p:spPr bwMode="auto">
           <a:xfrm>
-            <a:off x="3884613" y="0"/>
+            <a:off x="3884614" y="1"/>
             <a:ext cx="2971800" cy="457200"/>
           </a:xfrm>
           <a:prstGeom prst="rect">
@@ -575,7 +575,7 @@
         </p:nvSpPr>
         <p:spPr bwMode="auto">
           <a:xfrm>
-            <a:off x="685800" y="4343400"/>
+            <a:off x="685801" y="4343400"/>
             <a:ext cx="5486400" cy="4114800"/>
           </a:xfrm>
           <a:prstGeom prst="rect">
@@ -646,7 +646,7 @@
         </p:nvSpPr>
         <p:spPr bwMode="auto">
           <a:xfrm>
-            <a:off x="0" y="8685213"/>
+            <a:off x="0" y="8685214"/>
             <a:ext cx="2971800" cy="457200"/>
           </a:xfrm>
           <a:prstGeom prst="rect">
@@ -694,7 +694,7 @@
         </p:nvSpPr>
         <p:spPr bwMode="auto">
           <a:xfrm>
-            <a:off x="3884613" y="8685213"/>
+            <a:off x="3884614" y="8685214"/>
             <a:ext cx="2971800" cy="457200"/>
           </a:xfrm>
           <a:prstGeom prst="rect">
@@ -5594,7 +5594,7 @@
           <a:graphicData uri="http://schemas.openxmlformats.org/presentationml/2006/ole">
             <mc:AlternateContent xmlns:mc="http://schemas.openxmlformats.org/markup-compatibility/2006">
               <mc:Choice xmlns:v="urn:schemas-microsoft-com:vml" Requires="v">
-                <p:oleObj spid="_x0000_s1039" name="Image" r:id="rId3" imgW="4993480" imgH="3944788" progId="Photoshop.Image.5">
+                <p:oleObj spid="_x0000_s1041" name="Image" r:id="rId3" imgW="4993480" imgH="3944788" progId="Photoshop.Image.5">
                   <p:embed/>
                 </p:oleObj>
               </mc:Choice>
@@ -9854,8 +9854,8 @@
         </p:blipFill>
         <p:spPr bwMode="auto">
           <a:xfrm>
-            <a:off x="304800" y="0"/>
-            <a:ext cx="8478838" cy="3276600"/>
+            <a:off x="0" y="-1"/>
+            <a:ext cx="9144000" cy="3563937"/>
           </a:xfrm>
           <a:prstGeom prst="rect">
             <a:avLst/>
@@ -9908,8 +9908,8 @@
         </p:blipFill>
         <p:spPr bwMode="auto">
           <a:xfrm>
-            <a:off x="360363" y="3276600"/>
-            <a:ext cx="8458200" cy="3141663"/>
+            <a:off x="0" y="3563937"/>
+            <a:ext cx="9143999" cy="3294064"/>
           </a:xfrm>
           <a:prstGeom prst="rect">
             <a:avLst/>
